--- a/КурсовПроектТетрис/КурсовПроектТетрис.pptx
+++ b/КурсовПроектТетрис/КурсовПроектТетрис.pptx
@@ -129,6 +129,7 @@
   <p1510:revLst>
     <p1510:client id="{27A9CC97-1AD5-3340-F2AA-E19EF3B9BE1A}" v="10" dt="2024-04-21T07:27:45.363"/>
     <p1510:client id="{6F14FAF7-D9D7-9BF5-B3DD-4C5B765B1915}" v="317" dt="2024-04-21T06:38:13.126"/>
+    <p1510:client id="{74733EE9-5B93-FDEA-5E2F-B777B386E687}" v="7" dt="2024-04-21T07:32:37.857"/>
     <p1510:client id="{CDDC0048-91A7-4823-EE33-B531D9396C79}" v="110" dt="2024-04-21T06:14:21.909"/>
   </p1510:revLst>
 </p1510:revInfo>
@@ -5848,8 +5849,8 @@
         </p:nvSpPr>
         <p:spPr>
           <a:xfrm>
-            <a:off x="3760939" y="3788035"/>
-            <a:ext cx="4670122" cy="2013146"/>
+            <a:off x="3487769" y="3788035"/>
+            <a:ext cx="5230838" cy="2013146"/>
           </a:xfrm>
         </p:spPr>
         <p:txBody>
@@ -5915,12 +5916,8 @@
                 <a:latin typeface="Aptos"/>
                 <a:cs typeface="Calibri"/>
               </a:rPr>
-              <a:t>Tinkercad</a:t>
-            </a:r>
-            <a:endParaRPr lang="en-US" sz="1200" dirty="0">
-              <a:latin typeface="Aptos"/>
-              <a:cs typeface="Calibri"/>
-            </a:endParaRPr>
+              <a:t>Tinkercad,GitHub</a:t>
+            </a:r>
           </a:p>
           <a:p>
             <a:pPr marL="0" indent="0">
